--- a/Smart_Parking_System_Presentation.pptx
+++ b/Smart_Parking_System_Presentation.pptx
@@ -13,15 +13,13 @@
     <p:sldId id="262" r:id="rId7"/>
     <p:sldId id="263" r:id="rId8"/>
     <p:sldId id="264" r:id="rId9"/>
-    <p:sldId id="267" r:id="rId10"/>
-    <p:sldId id="268" r:id="rId11"/>
-    <p:sldId id="269" r:id="rId12"/>
-    <p:sldId id="270" r:id="rId13"/>
-    <p:sldId id="271" r:id="rId14"/>
-    <p:sldId id="272" r:id="rId15"/>
-    <p:sldId id="265" r:id="rId16"/>
-    <p:sldId id="273" r:id="rId17"/>
-    <p:sldId id="266" r:id="rId18"/>
+    <p:sldId id="274" r:id="rId10"/>
+    <p:sldId id="275" r:id="rId11"/>
+    <p:sldId id="276" r:id="rId12"/>
+    <p:sldId id="277" r:id="rId13"/>
+    <p:sldId id="265" r:id="rId14"/>
+    <p:sldId id="273" r:id="rId15"/>
+    <p:sldId id="266" r:id="rId16"/>
   </p:sldIdLst>
   <p:sldSz cx="9144000" cy="6858000" type="screen4x3"/>
   <p:notesSz cx="6858000" cy="9144000"/>
@@ -6179,7 +6177,16 @@
           <a:lstStyle/>
           <a:p>
             <a:r>
-              <a:t>Smart Parking System using IoT &amp; RFID</a:t>
+              <a:rPr dirty="0"/>
+              <a:t>Smart Parking System using </a:t>
+            </a:r>
+            <a:r>
+              <a:rPr dirty="0" err="1"/>
+              <a:t>IoT</a:t>
+            </a:r>
+            <a:r>
+              <a:rPr dirty="0"/>
+              <a:t> &amp; RFID</a:t>
             </a:r>
           </a:p>
         </p:txBody>
@@ -6253,9 +6260,10 @@
           <a:lstStyle/>
           <a:p>
             <a:r>
-              <a:rPr lang="en-IN" dirty="0"/>
-              <a:t>Initialization &amp; Setup</a:t>
-            </a:r>
+              <a:rPr lang="en-US" dirty="0"/>
+              <a:t>Genetic Algorithm for Parking Slot Selection</a:t>
+            </a:r>
+            <a:endParaRPr lang="en-IN" dirty="0"/>
           </a:p>
         </p:txBody>
       </p:sp>
@@ -6280,15 +6288,7 @@
             </a:r>
             <a:r>
               <a:rPr lang="en-US" dirty="0"/>
-              <a:t>Initializes </a:t>
-            </a:r>
-            <a:r>
-              <a:rPr lang="en-US" dirty="0" err="1"/>
-              <a:t>WiFi</a:t>
-            </a:r>
-            <a:r>
-              <a:rPr lang="en-US" dirty="0"/>
-              <a:t>, RFID, LCD, and sensor pins.</a:t>
+              <a:t>Initial Population: Randomly selects available slots.</a:t>
             </a:r>
           </a:p>
           <a:p>
@@ -6298,15 +6298,7 @@
             </a:r>
             <a:r>
               <a:rPr lang="en-US" dirty="0"/>
-              <a:t>Connects to </a:t>
-            </a:r>
-            <a:r>
-              <a:rPr lang="en-US" dirty="0" err="1"/>
-              <a:t>WiFi</a:t>
-            </a:r>
-            <a:r>
-              <a:rPr lang="en-US" dirty="0"/>
-              <a:t> for cloud communication.</a:t>
+              <a:t>Fitness Calculation: Evaluates slots based on distance &amp; size.</a:t>
             </a:r>
           </a:p>
           <a:p>
@@ -6316,7 +6308,31 @@
             </a:r>
             <a:r>
               <a:rPr lang="en-US" dirty="0"/>
-              <a:t>Displays startup message on LCD.</a:t>
+              <a:t>Selection: Chooses top-performing slots.</a:t>
+            </a:r>
+          </a:p>
+          <a:p>
+            <a:r>
+              <a:rPr lang="en-US" dirty="0" smtClean="0"/>
+              <a:t> </a:t>
+            </a:r>
+            <a:r>
+              <a:rPr lang="en-US" dirty="0"/>
+              <a:t>Crossover &amp; Mutation: Generates better solutions.</a:t>
+            </a:r>
+          </a:p>
+          <a:p>
+            <a:r>
+              <a:rPr lang="en-US" dirty="0" smtClean="0"/>
+              <a:t> </a:t>
+            </a:r>
+            <a:r>
+              <a:rPr lang="en-US" dirty="0"/>
+              <a:t>Best slot is selected after multiple generations</a:t>
+            </a:r>
+            <a:r>
+              <a:rPr lang="en-US" dirty="0" smtClean="0"/>
+              <a:t>.</a:t>
             </a:r>
             <a:endParaRPr lang="en-US" dirty="0"/>
           </a:p>
@@ -6325,7 +6341,7 @@
     </p:spTree>
     <p:extLst>
       <p:ext uri="{BB962C8B-B14F-4D97-AF65-F5344CB8AC3E}">
-        <p14:creationId xmlns:p14="http://schemas.microsoft.com/office/powerpoint/2010/main" val="1513579722"/>
+        <p14:creationId xmlns:p14="http://schemas.microsoft.com/office/powerpoint/2010/main" val="1012208667"/>
       </p:ext>
     </p:extLst>
   </p:cSld>
@@ -6369,7 +6385,7 @@
           <a:p>
             <a:r>
               <a:rPr lang="en-IN" dirty="0"/>
-              <a:t>Vehicle Detection Using Sensors</a:t>
+              <a:t>Code Breakdown</a:t>
             </a:r>
           </a:p>
         </p:txBody>
@@ -6390,41 +6406,79 @@
           <a:lstStyle/>
           <a:p>
             <a:r>
-              <a:rPr lang="en-US" dirty="0" smtClean="0"/>
+              <a:rPr lang="en-IN" dirty="0" smtClean="0"/>
               <a:t> </a:t>
             </a:r>
             <a:r>
-              <a:rPr lang="en-US" dirty="0"/>
-              <a:t>Ultrasonic sensors measure distance to detect parked vehicles.</a:t>
-            </a:r>
-          </a:p>
-          <a:p>
-            <a:r>
-              <a:rPr lang="en-US" dirty="0" smtClean="0"/>
+              <a:rPr lang="en-IN" dirty="0" err="1"/>
+              <a:t>updateSlotOccupancy</a:t>
+            </a:r>
+            <a:r>
+              <a:rPr lang="en-IN" dirty="0"/>
+              <a:t>() - Checks if slots are occupied.</a:t>
+            </a:r>
+          </a:p>
+          <a:p>
+            <a:r>
+              <a:rPr lang="en-IN" dirty="0" smtClean="0"/>
               <a:t> </a:t>
             </a:r>
             <a:r>
-              <a:rPr lang="en-US" dirty="0"/>
-              <a:t>If distance &lt; threshold, slot is marked as occupied.</a:t>
-            </a:r>
-          </a:p>
-          <a:p>
-            <a:r>
-              <a:rPr lang="en-US" dirty="0" smtClean="0"/>
+              <a:rPr lang="en-IN" dirty="0" err="1"/>
+              <a:t>getVehicleType</a:t>
+            </a:r>
+            <a:r>
+              <a:rPr lang="en-IN" dirty="0"/>
+              <a:t>() - Retrieves vehicle type from RFID.</a:t>
+            </a:r>
+          </a:p>
+          <a:p>
+            <a:r>
+              <a:rPr lang="en-IN" dirty="0" smtClean="0"/>
               <a:t> </a:t>
             </a:r>
             <a:r>
-              <a:rPr lang="en-US" dirty="0"/>
-              <a:t>LEDs indicate slot status (Red = Occupied, Green = Available).</a:t>
-            </a:r>
-            <a:endParaRPr lang="en-US" dirty="0"/>
+              <a:rPr lang="en-IN" dirty="0" err="1"/>
+              <a:t>calculateFitness</a:t>
+            </a:r>
+            <a:r>
+              <a:rPr lang="en-IN" dirty="0"/>
+              <a:t>() - Assigns fitness to each slot.</a:t>
+            </a:r>
+          </a:p>
+          <a:p>
+            <a:r>
+              <a:rPr lang="en-IN" dirty="0" smtClean="0"/>
+              <a:t> </a:t>
+            </a:r>
+            <a:r>
+              <a:rPr lang="en-IN" dirty="0" err="1"/>
+              <a:t>geneticAlgorithm</a:t>
+            </a:r>
+            <a:r>
+              <a:rPr lang="en-IN" dirty="0"/>
+              <a:t>() - Runs optimization to find the best slot.</a:t>
+            </a:r>
+          </a:p>
+          <a:p>
+            <a:r>
+              <a:rPr lang="en-IN" dirty="0" smtClean="0"/>
+              <a:t> </a:t>
+            </a:r>
+            <a:r>
+              <a:rPr lang="en-IN" dirty="0"/>
+              <a:t>LCD &amp; Serial Monitor display results.</a:t>
+            </a:r>
+          </a:p>
+          <a:p>
+            <a:endParaRPr lang="en-IN" dirty="0"/>
           </a:p>
         </p:txBody>
       </p:sp>
     </p:spTree>
     <p:extLst>
       <p:ext uri="{BB962C8B-B14F-4D97-AF65-F5344CB8AC3E}">
-        <p14:creationId xmlns:p14="http://schemas.microsoft.com/office/powerpoint/2010/main" val="2671155569"/>
+        <p14:creationId xmlns:p14="http://schemas.microsoft.com/office/powerpoint/2010/main" val="1476184462"/>
       </p:ext>
     </p:extLst>
   </p:cSld>
@@ -6468,7 +6522,7 @@
           <a:p>
             <a:r>
               <a:rPr lang="en-IN" dirty="0"/>
-              <a:t>RFID Identification</a:t>
+              <a:t>Flowchart of the System</a:t>
             </a:r>
           </a:p>
         </p:txBody>
@@ -6485,36 +6539,71 @@
         </p:nvSpPr>
         <p:spPr/>
         <p:txBody>
-          <a:bodyPr/>
+          <a:bodyPr>
+            <a:normAutofit lnSpcReduction="10000"/>
+          </a:bodyPr>
           <a:lstStyle/>
           <a:p>
             <a:r>
               <a:rPr lang="en-US" dirty="0" smtClean="0"/>
-              <a:t> RFID </a:t>
+              <a:t>Start</a:t>
+            </a:r>
+            <a:endParaRPr lang="en-US" dirty="0"/>
+          </a:p>
+          <a:p>
+            <a:r>
+              <a:rPr lang="en-US" dirty="0" smtClean="0"/>
+              <a:t>Scan </a:t>
             </a:r>
             <a:r>
               <a:rPr lang="en-US" dirty="0"/>
-              <a:t>reader scans vehicle RFID tags.</a:t>
+              <a:t>RFID</a:t>
             </a:r>
           </a:p>
           <a:p>
             <a:r>
               <a:rPr lang="en-US" dirty="0" smtClean="0"/>
-              <a:t> </a:t>
+              <a:t>Get </a:t>
             </a:r>
             <a:r>
               <a:rPr lang="en-US" dirty="0"/>
-              <a:t>Extracts unique ID and associates it with a parking slot.</a:t>
+              <a:t>Vehicle Type</a:t>
             </a:r>
           </a:p>
           <a:p>
             <a:r>
               <a:rPr lang="en-US" dirty="0" smtClean="0"/>
-              <a:t> </a:t>
+              <a:t>Check </a:t>
             </a:r>
             <a:r>
               <a:rPr lang="en-US" dirty="0"/>
-              <a:t>Helps track vehicle entry and exit.</a:t>
+              <a:t>Slot Availability</a:t>
+            </a:r>
+          </a:p>
+          <a:p>
+            <a:r>
+              <a:rPr lang="en-US" dirty="0" smtClean="0"/>
+              <a:t>Run </a:t>
+            </a:r>
+            <a:r>
+              <a:rPr lang="en-US" dirty="0"/>
+              <a:t>Genetic Algorithm</a:t>
+            </a:r>
+          </a:p>
+          <a:p>
+            <a:r>
+              <a:rPr lang="en-US" dirty="0" smtClean="0"/>
+              <a:t>Display </a:t>
+            </a:r>
+            <a:r>
+              <a:rPr lang="en-US" dirty="0"/>
+              <a:t>Recommended Slot</a:t>
+            </a:r>
+          </a:p>
+          <a:p>
+            <a:r>
+              <a:rPr lang="en-US" dirty="0" smtClean="0"/>
+              <a:t>End</a:t>
             </a:r>
             <a:endParaRPr lang="en-US" dirty="0"/>
           </a:p>
@@ -6523,7 +6612,7 @@
     </p:spTree>
     <p:extLst>
       <p:ext uri="{BB962C8B-B14F-4D97-AF65-F5344CB8AC3E}">
-        <p14:creationId xmlns:p14="http://schemas.microsoft.com/office/powerpoint/2010/main" val="3872471439"/>
+        <p14:creationId xmlns:p14="http://schemas.microsoft.com/office/powerpoint/2010/main" val="3725951548"/>
       </p:ext>
     </p:extLst>
   </p:cSld>
@@ -6566,8 +6655,7 @@
           <a:lstStyle/>
           <a:p>
             <a:r>
-              <a:rPr lang="en-IN" dirty="0"/>
-              <a:t>Cloud Communication</a:t>
+              <a:t>Advantages &amp; Applications</a:t>
             </a:r>
           </a:p>
         </p:txBody>
@@ -6582,53 +6670,65 @@
             <p:ph sz="quarter" idx="13"/>
           </p:nvPr>
         </p:nvSpPr>
-        <p:spPr/>
-        <p:txBody>
-          <a:bodyPr/>
-          <a:lstStyle/>
-          <a:p>
-            <a:r>
-              <a:rPr lang="en-US" dirty="0" smtClean="0"/>
-              <a:t> </a:t>
-            </a:r>
-            <a:r>
-              <a:rPr lang="en-US" dirty="0"/>
-              <a:t>Data (vehicle ID and slot status) is sent to a cloud server.</a:t>
-            </a:r>
-          </a:p>
-          <a:p>
-            <a:r>
-              <a:rPr lang="en-US" dirty="0" smtClean="0"/>
-              <a:t> </a:t>
-            </a:r>
-            <a:r>
-              <a:rPr lang="en-US" dirty="0"/>
-              <a:t>HTTP POST request is used to upload data.</a:t>
-            </a:r>
-          </a:p>
-          <a:p>
-            <a:r>
-              <a:rPr lang="en-US" dirty="0" smtClean="0"/>
-              <a:t> </a:t>
-            </a:r>
-            <a:r>
-              <a:rPr lang="en-US" dirty="0"/>
-              <a:t>Enables remote monitoring of parking slots.</a:t>
-            </a:r>
-            <a:endParaRPr lang="en-US" dirty="0"/>
+        <p:spPr>
+          <a:xfrm>
+            <a:off x="514351" y="1878398"/>
+            <a:ext cx="7796030" cy="3311189"/>
+          </a:xfrm>
+        </p:spPr>
+        <p:txBody>
+          <a:bodyPr/>
+          <a:lstStyle/>
+          <a:p>
+            <a:pPr marL="0" indent="0">
+              <a:buNone/>
+            </a:pPr>
+            <a:r>
+              <a:rPr dirty="0"/>
+              <a:t>• Reduces manual parking management efforts.</a:t>
+            </a:r>
+          </a:p>
+          <a:p>
+            <a:pPr marL="0" indent="0">
+              <a:buNone/>
+            </a:pPr>
+            <a:r>
+              <a:rPr dirty="0"/>
+              <a:t>• Prevents unauthorized vehicle entry.</a:t>
+            </a:r>
+          </a:p>
+          <a:p>
+            <a:pPr marL="0" indent="0">
+              <a:buNone/>
+            </a:pPr>
+            <a:r>
+              <a:rPr dirty="0"/>
+              <a:t>• Real-time parking data accessible from cloud.</a:t>
+            </a:r>
+          </a:p>
+          <a:p>
+            <a:pPr marL="0" indent="0">
+              <a:buNone/>
+            </a:pPr>
+            <a:r>
+              <a:rPr dirty="0"/>
+              <a:t>• Used in malls, offices, and public parking lots.</a:t>
+            </a:r>
           </a:p>
         </p:txBody>
       </p:sp>
     </p:spTree>
-    <p:extLst>
-      <p:ext uri="{BB962C8B-B14F-4D97-AF65-F5344CB8AC3E}">
-        <p14:creationId xmlns:p14="http://schemas.microsoft.com/office/powerpoint/2010/main" val="399871133"/>
-      </p:ext>
-    </p:extLst>
   </p:cSld>
   <p:clrMapOvr>
     <a:masterClrMapping/>
   </p:clrMapOvr>
+  <p:timing>
+    <p:tnLst>
+      <p:par>
+        <p:cTn id="1" dur="indefinite" restart="never" nodeType="tmRoot"/>
+      </p:par>
+    </p:tnLst>
+  </p:timing>
 </p:sld>
 </file>
 
@@ -6666,7 +6766,7 @@
           <a:p>
             <a:r>
               <a:rPr lang="en-IN" dirty="0"/>
-              <a:t>LCD Display Output</a:t>
+              <a:t>Summary</a:t>
             </a:r>
           </a:p>
         </p:txBody>
@@ -6692,7 +6792,15 @@
             </a:r>
             <a:r>
               <a:rPr lang="en-US" dirty="0"/>
-              <a:t>Shows parking status in real time.</a:t>
+              <a:t>The system automates parking management using </a:t>
+            </a:r>
+            <a:r>
+              <a:rPr lang="en-US" dirty="0" err="1"/>
+              <a:t>IoT</a:t>
+            </a:r>
+            <a:r>
+              <a:rPr lang="en-US" dirty="0"/>
+              <a:t>.</a:t>
             </a:r>
           </a:p>
           <a:p>
@@ -6702,7 +6810,7 @@
             </a:r>
             <a:r>
               <a:rPr lang="en-US" dirty="0"/>
-              <a:t>Displays available slots or indicates full occupancy.</a:t>
+              <a:t>Detects vehicles, identifies them using RFID, and updates cloud data.</a:t>
             </a:r>
           </a:p>
           <a:p>
@@ -6712,121 +6820,18 @@
             </a:r>
             <a:r>
               <a:rPr lang="en-US" dirty="0"/>
-              <a:t>Helps drivers find parking easily</a:t>
-            </a:r>
-            <a:endParaRPr lang="en-IN" dirty="0"/>
+              <a:t>Provides real-time parking availability through an LCD display.</a:t>
+            </a:r>
+            <a:endParaRPr lang="en-US" dirty="0"/>
           </a:p>
         </p:txBody>
       </p:sp>
     </p:spTree>
     <p:extLst>
       <p:ext uri="{BB962C8B-B14F-4D97-AF65-F5344CB8AC3E}">
-        <p14:creationId xmlns:p14="http://schemas.microsoft.com/office/powerpoint/2010/main" val="615748636"/>
+        <p14:creationId xmlns:p14="http://schemas.microsoft.com/office/powerpoint/2010/main" val="3048514203"/>
       </p:ext>
     </p:extLst>
-  </p:cSld>
-  <p:clrMapOvr>
-    <a:masterClrMapping/>
-  </p:clrMapOvr>
-</p:sld>
-</file>
-
-<file path=ppt/slides/slide15.xml><?xml version="1.0" encoding="utf-8"?>
-<p:sld xmlns:a="http://schemas.openxmlformats.org/drawingml/2006/main" xmlns:r="http://schemas.openxmlformats.org/officeDocument/2006/relationships" xmlns:p="http://schemas.openxmlformats.org/presentationml/2006/main">
-  <p:cSld>
-    <p:spTree>
-      <p:nvGrpSpPr>
-        <p:cNvPr id="1" name=""/>
-        <p:cNvGrpSpPr/>
-        <p:nvPr/>
-      </p:nvGrpSpPr>
-      <p:grpSpPr>
-        <a:xfrm>
-          <a:off x="0" y="0"/>
-          <a:ext cx="0" cy="0"/>
-          <a:chOff x="0" y="0"/>
-          <a:chExt cx="0" cy="0"/>
-        </a:xfrm>
-      </p:grpSpPr>
-      <p:sp>
-        <p:nvSpPr>
-          <p:cNvPr id="2" name="Title 1"/>
-          <p:cNvSpPr>
-            <a:spLocks noGrp="1"/>
-          </p:cNvSpPr>
-          <p:nvPr>
-            <p:ph type="title"/>
-          </p:nvPr>
-        </p:nvSpPr>
-        <p:spPr/>
-        <p:txBody>
-          <a:bodyPr/>
-          <a:lstStyle/>
-          <a:p>
-            <a:r>
-              <a:t>Advantages &amp; Applications</a:t>
-            </a:r>
-          </a:p>
-        </p:txBody>
-      </p:sp>
-      <p:sp>
-        <p:nvSpPr>
-          <p:cNvPr id="3" name="Content Placeholder 2"/>
-          <p:cNvSpPr>
-            <a:spLocks noGrp="1"/>
-          </p:cNvSpPr>
-          <p:nvPr>
-            <p:ph sz="quarter" idx="13"/>
-          </p:nvPr>
-        </p:nvSpPr>
-        <p:spPr>
-          <a:xfrm>
-            <a:off x="514351" y="1878398"/>
-            <a:ext cx="7796030" cy="3311189"/>
-          </a:xfrm>
-        </p:spPr>
-        <p:txBody>
-          <a:bodyPr/>
-          <a:lstStyle/>
-          <a:p>
-            <a:pPr marL="0" indent="0">
-              <a:buNone/>
-            </a:pPr>
-            <a:r>
-              <a:rPr dirty="0"/>
-              <a:t>• Reduces manual parking management efforts.</a:t>
-            </a:r>
-          </a:p>
-          <a:p>
-            <a:pPr marL="0" indent="0">
-              <a:buNone/>
-            </a:pPr>
-            <a:r>
-              <a:rPr dirty="0"/>
-              <a:t>• Prevents unauthorized vehicle entry.</a:t>
-            </a:r>
-          </a:p>
-          <a:p>
-            <a:pPr marL="0" indent="0">
-              <a:buNone/>
-            </a:pPr>
-            <a:r>
-              <a:rPr dirty="0"/>
-              <a:t>• Real-time parking data accessible from cloud.</a:t>
-            </a:r>
-          </a:p>
-          <a:p>
-            <a:pPr marL="0" indent="0">
-              <a:buNone/>
-            </a:pPr>
-            <a:r>
-              <a:rPr dirty="0"/>
-              <a:t>• Used in malls, offices, and public parking lots.</a:t>
-            </a:r>
-          </a:p>
-        </p:txBody>
-      </p:sp>
-    </p:spTree>
   </p:cSld>
   <p:clrMapOvr>
     <a:masterClrMapping/>
@@ -6841,114 +6846,7 @@
 </p:sld>
 </file>
 
-<file path=ppt/slides/slide16.xml><?xml version="1.0" encoding="utf-8"?>
-<p:sld xmlns:a="http://schemas.openxmlformats.org/drawingml/2006/main" xmlns:r="http://schemas.openxmlformats.org/officeDocument/2006/relationships" xmlns:p="http://schemas.openxmlformats.org/presentationml/2006/main">
-  <p:cSld>
-    <p:spTree>
-      <p:nvGrpSpPr>
-        <p:cNvPr id="1" name=""/>
-        <p:cNvGrpSpPr/>
-        <p:nvPr/>
-      </p:nvGrpSpPr>
-      <p:grpSpPr>
-        <a:xfrm>
-          <a:off x="0" y="0"/>
-          <a:ext cx="0" cy="0"/>
-          <a:chOff x="0" y="0"/>
-          <a:chExt cx="0" cy="0"/>
-        </a:xfrm>
-      </p:grpSpPr>
-      <p:sp>
-        <p:nvSpPr>
-          <p:cNvPr id="2" name="Title 1"/>
-          <p:cNvSpPr>
-            <a:spLocks noGrp="1"/>
-          </p:cNvSpPr>
-          <p:nvPr>
-            <p:ph type="title"/>
-          </p:nvPr>
-        </p:nvSpPr>
-        <p:spPr/>
-        <p:txBody>
-          <a:bodyPr/>
-          <a:lstStyle/>
-          <a:p>
-            <a:r>
-              <a:rPr lang="en-IN" dirty="0"/>
-              <a:t>Summary</a:t>
-            </a:r>
-          </a:p>
-        </p:txBody>
-      </p:sp>
-      <p:sp>
-        <p:nvSpPr>
-          <p:cNvPr id="3" name="Content Placeholder 2"/>
-          <p:cNvSpPr>
-            <a:spLocks noGrp="1"/>
-          </p:cNvSpPr>
-          <p:nvPr>
-            <p:ph sz="quarter" idx="13"/>
-          </p:nvPr>
-        </p:nvSpPr>
-        <p:spPr/>
-        <p:txBody>
-          <a:bodyPr/>
-          <a:lstStyle/>
-          <a:p>
-            <a:r>
-              <a:rPr lang="en-US" dirty="0" smtClean="0"/>
-              <a:t> </a:t>
-            </a:r>
-            <a:r>
-              <a:rPr lang="en-US" dirty="0"/>
-              <a:t>The system automates parking management using </a:t>
-            </a:r>
-            <a:r>
-              <a:rPr lang="en-US" dirty="0" err="1"/>
-              <a:t>IoT</a:t>
-            </a:r>
-            <a:r>
-              <a:rPr lang="en-US" dirty="0"/>
-              <a:t>.</a:t>
-            </a:r>
-          </a:p>
-          <a:p>
-            <a:r>
-              <a:rPr lang="en-US" dirty="0" smtClean="0"/>
-              <a:t> </a:t>
-            </a:r>
-            <a:r>
-              <a:rPr lang="en-US" dirty="0"/>
-              <a:t>Detects vehicles, identifies them using RFID, and updates cloud data.</a:t>
-            </a:r>
-          </a:p>
-          <a:p>
-            <a:r>
-              <a:rPr lang="en-US" dirty="0" smtClean="0"/>
-              <a:t> </a:t>
-            </a:r>
-            <a:r>
-              <a:rPr lang="en-US" dirty="0"/>
-              <a:t>Provides real-time parking availability through an LCD display.</a:t>
-            </a:r>
-            <a:endParaRPr lang="en-US" dirty="0"/>
-          </a:p>
-        </p:txBody>
-      </p:sp>
-    </p:spTree>
-    <p:extLst>
-      <p:ext uri="{BB962C8B-B14F-4D97-AF65-F5344CB8AC3E}">
-        <p14:creationId xmlns:p14="http://schemas.microsoft.com/office/powerpoint/2010/main" val="3048514203"/>
-      </p:ext>
-    </p:extLst>
-  </p:cSld>
-  <p:clrMapOvr>
-    <a:masterClrMapping/>
-  </p:clrMapOvr>
-</p:sld>
-</file>
-
-<file path=ppt/slides/slide17.xml><?xml version="1.0" encoding="utf-8"?>
+<file path=ppt/slides/slide15.xml><?xml version="1.0" encoding="utf-8"?>
 <p:sld xmlns:a="http://schemas.openxmlformats.org/drawingml/2006/main" xmlns:r="http://schemas.openxmlformats.org/officeDocument/2006/relationships" xmlns:p="http://schemas.openxmlformats.org/presentationml/2006/main">
   <p:cSld>
     <p:spTree>
@@ -7109,8 +7007,16 @@
               <a:buNone/>
             </a:pPr>
             <a:r>
+              <a:rPr lang="en-IN" dirty="0" smtClean="0"/>
+              <a:t>•</a:t>
+            </a:r>
+            <a:r>
+              <a:rPr dirty="0" smtClean="0"/>
+              <a:t> </a:t>
+            </a:r>
+            <a:r>
               <a:rPr dirty="0"/>
-              <a:t>• Smart Parking System uses </a:t>
+              <a:t>Smart Parking System uses </a:t>
             </a:r>
             <a:r>
               <a:rPr dirty="0" err="1"/>
@@ -7915,7 +7821,7 @@
           <a:p>
             <a:r>
               <a:rPr lang="en-IN" dirty="0"/>
-              <a:t>Code Overview</a:t>
+              <a:t>Working of the System</a:t>
             </a:r>
           </a:p>
         </p:txBody>
@@ -7935,36 +7841,53 @@
           <a:bodyPr/>
           <a:lstStyle/>
           <a:p>
-            <a:r>
-              <a:rPr lang="en-US" dirty="0" smtClean="0"/>
-              <a:t> </a:t>
-            </a:r>
-            <a:r>
-              <a:rPr lang="en-US" dirty="0"/>
-              <a:t>The code uses ESP8266, Ultrasonic Sensors, and RFID for parking management.</a:t>
-            </a:r>
-          </a:p>
-          <a:p>
-            <a:r>
-              <a:rPr lang="en-US" dirty="0" smtClean="0"/>
-              <a:t> </a:t>
-            </a:r>
-            <a:r>
-              <a:rPr lang="en-US" dirty="0"/>
-              <a:t>Detects vehicle presence and uploads data to a cloud server.</a:t>
-            </a:r>
-          </a:p>
-          <a:p>
-            <a:r>
-              <a:rPr lang="en-US" dirty="0" smtClean="0"/>
-              <a:t> </a:t>
-            </a:r>
-            <a:r>
-              <a:rPr lang="en-US" dirty="0"/>
-              <a:t>Displays parking availability on an LCD screen.</a:t>
-            </a:r>
-          </a:p>
-          <a:p>
+            <a:pPr marL="0" indent="0">
+              <a:buNone/>
+            </a:pPr>
+            <a:r>
+              <a:rPr lang="en-IN" dirty="0"/>
+              <a:t>1. Vehicle scans RFID tag.</a:t>
+            </a:r>
+          </a:p>
+          <a:p>
+            <a:pPr marL="0" indent="0">
+              <a:buNone/>
+            </a:pPr>
+            <a:r>
+              <a:rPr lang="en-IN" dirty="0"/>
+              <a:t>2. System determines vehicle type.</a:t>
+            </a:r>
+          </a:p>
+          <a:p>
+            <a:pPr marL="0" indent="0">
+              <a:buNone/>
+            </a:pPr>
+            <a:r>
+              <a:rPr lang="en-IN" dirty="0"/>
+              <a:t>3. Ultrasonic sensors check available parking slots.</a:t>
+            </a:r>
+          </a:p>
+          <a:p>
+            <a:pPr marL="0" indent="0">
+              <a:buNone/>
+            </a:pPr>
+            <a:r>
+              <a:rPr lang="en-IN" dirty="0"/>
+              <a:t>4. Genetic Algorithm selects the best slot based on size &amp; distance.</a:t>
+            </a:r>
+          </a:p>
+          <a:p>
+            <a:pPr marL="0" indent="0">
+              <a:buNone/>
+            </a:pPr>
+            <a:r>
+              <a:rPr lang="en-IN" dirty="0"/>
+              <a:t>5. LCD displays the recommended slot</a:t>
+            </a:r>
+            <a:r>
+              <a:rPr lang="en-IN" dirty="0" smtClean="0"/>
+              <a:t>.</a:t>
+            </a:r>
             <a:endParaRPr lang="en-IN" dirty="0"/>
           </a:p>
         </p:txBody>
@@ -7972,7 +7895,7 @@
     </p:spTree>
     <p:extLst>
       <p:ext uri="{BB962C8B-B14F-4D97-AF65-F5344CB8AC3E}">
-        <p14:creationId xmlns:p14="http://schemas.microsoft.com/office/powerpoint/2010/main" val="2310566020"/>
+        <p14:creationId xmlns:p14="http://schemas.microsoft.com/office/powerpoint/2010/main" val="2648168209"/>
       </p:ext>
     </p:extLst>
   </p:cSld>
